--- a/Appunti/kube.pptx
+++ b/Appunti/kube.pptx
@@ -269,7 +269,7 @@
           <a:p>
             <a:fld id="{432C4716-BF84-4434-B1BE-93FCE5AC025C}" type="datetimeFigureOut">
               <a:rPr lang="it-IT" smtClean="0"/>
-              <a:t>23/02/2021</a:t>
+              <a:t>14/05/2021</a:t>
             </a:fld>
             <a:endParaRPr lang="it-IT"/>
           </a:p>
@@ -467,7 +467,7 @@
           <a:p>
             <a:fld id="{432C4716-BF84-4434-B1BE-93FCE5AC025C}" type="datetimeFigureOut">
               <a:rPr lang="it-IT" smtClean="0"/>
-              <a:t>23/02/2021</a:t>
+              <a:t>14/05/2021</a:t>
             </a:fld>
             <a:endParaRPr lang="it-IT"/>
           </a:p>
@@ -675,7 +675,7 @@
           <a:p>
             <a:fld id="{432C4716-BF84-4434-B1BE-93FCE5AC025C}" type="datetimeFigureOut">
               <a:rPr lang="it-IT" smtClean="0"/>
-              <a:t>23/02/2021</a:t>
+              <a:t>14/05/2021</a:t>
             </a:fld>
             <a:endParaRPr lang="it-IT"/>
           </a:p>
@@ -873,7 +873,7 @@
           <a:p>
             <a:fld id="{432C4716-BF84-4434-B1BE-93FCE5AC025C}" type="datetimeFigureOut">
               <a:rPr lang="it-IT" smtClean="0"/>
-              <a:t>23/02/2021</a:t>
+              <a:t>14/05/2021</a:t>
             </a:fld>
             <a:endParaRPr lang="it-IT"/>
           </a:p>
@@ -1148,7 +1148,7 @@
           <a:p>
             <a:fld id="{432C4716-BF84-4434-B1BE-93FCE5AC025C}" type="datetimeFigureOut">
               <a:rPr lang="it-IT" smtClean="0"/>
-              <a:t>23/02/2021</a:t>
+              <a:t>14/05/2021</a:t>
             </a:fld>
             <a:endParaRPr lang="it-IT"/>
           </a:p>
@@ -1413,7 +1413,7 @@
           <a:p>
             <a:fld id="{432C4716-BF84-4434-B1BE-93FCE5AC025C}" type="datetimeFigureOut">
               <a:rPr lang="it-IT" smtClean="0"/>
-              <a:t>23/02/2021</a:t>
+              <a:t>14/05/2021</a:t>
             </a:fld>
             <a:endParaRPr lang="it-IT"/>
           </a:p>
@@ -1825,7 +1825,7 @@
           <a:p>
             <a:fld id="{432C4716-BF84-4434-B1BE-93FCE5AC025C}" type="datetimeFigureOut">
               <a:rPr lang="it-IT" smtClean="0"/>
-              <a:t>23/02/2021</a:t>
+              <a:t>14/05/2021</a:t>
             </a:fld>
             <a:endParaRPr lang="it-IT"/>
           </a:p>
@@ -1966,7 +1966,7 @@
           <a:p>
             <a:fld id="{432C4716-BF84-4434-B1BE-93FCE5AC025C}" type="datetimeFigureOut">
               <a:rPr lang="it-IT" smtClean="0"/>
-              <a:t>23/02/2021</a:t>
+              <a:t>14/05/2021</a:t>
             </a:fld>
             <a:endParaRPr lang="it-IT"/>
           </a:p>
@@ -2079,7 +2079,7 @@
           <a:p>
             <a:fld id="{432C4716-BF84-4434-B1BE-93FCE5AC025C}" type="datetimeFigureOut">
               <a:rPr lang="it-IT" smtClean="0"/>
-              <a:t>23/02/2021</a:t>
+              <a:t>14/05/2021</a:t>
             </a:fld>
             <a:endParaRPr lang="it-IT"/>
           </a:p>
@@ -2390,7 +2390,7 @@
           <a:p>
             <a:fld id="{432C4716-BF84-4434-B1BE-93FCE5AC025C}" type="datetimeFigureOut">
               <a:rPr lang="it-IT" smtClean="0"/>
-              <a:t>23/02/2021</a:t>
+              <a:t>14/05/2021</a:t>
             </a:fld>
             <a:endParaRPr lang="it-IT"/>
           </a:p>
@@ -2681,7 +2681,7 @@
           <a:p>
             <a:fld id="{432C4716-BF84-4434-B1BE-93FCE5AC025C}" type="datetimeFigureOut">
               <a:rPr lang="it-IT" smtClean="0"/>
-              <a:t>23/02/2021</a:t>
+              <a:t>14/05/2021</a:t>
             </a:fld>
             <a:endParaRPr lang="it-IT"/>
           </a:p>
@@ -2922,7 +2922,7 @@
           <a:p>
             <a:fld id="{432C4716-BF84-4434-B1BE-93FCE5AC025C}" type="datetimeFigureOut">
               <a:rPr lang="it-IT" smtClean="0"/>
-              <a:t>23/02/2021</a:t>
+              <a:t>14/05/2021</a:t>
             </a:fld>
             <a:endParaRPr lang="it-IT"/>
           </a:p>
@@ -4168,45 +4168,6 @@
       </p:sp>
       <p:cxnSp>
         <p:nvCxnSpPr>
-          <p:cNvPr id="13" name="Connettore 2 12">
-            <a:extLst>
-              <a:ext uri="{FF2B5EF4-FFF2-40B4-BE49-F238E27FC236}">
-                <a16:creationId xmlns:a16="http://schemas.microsoft.com/office/drawing/2014/main" id="{0EBDF7B2-216A-4476-AAB5-E2BABA20CD82}"/>
-              </a:ext>
-            </a:extLst>
-          </p:cNvPr>
-          <p:cNvCxnSpPr/>
-          <p:nvPr/>
-        </p:nvCxnSpPr>
-        <p:spPr>
-          <a:xfrm>
-            <a:off x="4563122" y="4947821"/>
-            <a:ext cx="914400" cy="914400"/>
-          </a:xfrm>
-          <a:prstGeom prst="straightConnector1">
-            <a:avLst/>
-          </a:prstGeom>
-          <a:ln>
-            <a:tailEnd type="triangle"/>
-          </a:ln>
-        </p:spPr>
-        <p:style>
-          <a:lnRef idx="1">
-            <a:schemeClr val="accent1"/>
-          </a:lnRef>
-          <a:fillRef idx="0">
-            <a:schemeClr val="accent1"/>
-          </a:fillRef>
-          <a:effectRef idx="0">
-            <a:schemeClr val="accent1"/>
-          </a:effectRef>
-          <a:fontRef idx="minor">
-            <a:schemeClr val="tx1"/>
-          </a:fontRef>
-        </p:style>
-      </p:cxnSp>
-      <p:cxnSp>
-        <p:nvCxnSpPr>
           <p:cNvPr id="15" name="Connettore 2 14">
             <a:extLst>
               <a:ext uri="{FF2B5EF4-FFF2-40B4-BE49-F238E27FC236}">
@@ -4510,165 +4471,6 @@
           </a:fontRef>
         </p:style>
       </p:cxnSp>
-      <p:sp>
-        <p:nvSpPr>
-          <p:cNvPr id="2" name="Rettangolo 1">
-            <a:extLst>
-              <a:ext uri="{FF2B5EF4-FFF2-40B4-BE49-F238E27FC236}">
-                <a16:creationId xmlns:a16="http://schemas.microsoft.com/office/drawing/2014/main" id="{98BB5088-9286-44AF-80F3-AD5136D2F9F3}"/>
-              </a:ext>
-            </a:extLst>
-          </p:cNvPr>
-          <p:cNvSpPr/>
-          <p:nvPr/>
-        </p:nvSpPr>
-        <p:spPr>
-          <a:xfrm>
-            <a:off x="8388220" y="1652938"/>
-            <a:ext cx="1346855" cy="326572"/>
-          </a:xfrm>
-          <a:prstGeom prst="rect">
-            <a:avLst/>
-          </a:prstGeom>
-        </p:spPr>
-        <p:style>
-          <a:lnRef idx="2">
-            <a:schemeClr val="dk1">
-              <a:shade val="50000"/>
-            </a:schemeClr>
-          </a:lnRef>
-          <a:fillRef idx="1">
-            <a:schemeClr val="dk1"/>
-          </a:fillRef>
-          <a:effectRef idx="0">
-            <a:schemeClr val="dk1"/>
-          </a:effectRef>
-          <a:fontRef idx="minor">
-            <a:schemeClr val="lt1"/>
-          </a:fontRef>
-        </p:style>
-        <p:txBody>
-          <a:bodyPr rtlCol="0" anchor="ctr"/>
-          <a:lstStyle/>
-          <a:p>
-            <a:pPr algn="ctr"/>
-            <a:r>
-              <a:rPr lang="it-IT" dirty="0" err="1"/>
-              <a:t>Ingress</a:t>
-            </a:r>
-            <a:r>
-              <a:rPr lang="it-IT" dirty="0"/>
-              <a:t>-controller</a:t>
-            </a:r>
-          </a:p>
-        </p:txBody>
-      </p:sp>
-      <p:sp>
-        <p:nvSpPr>
-          <p:cNvPr id="16" name="Rettangolo 15">
-            <a:extLst>
-              <a:ext uri="{FF2B5EF4-FFF2-40B4-BE49-F238E27FC236}">
-                <a16:creationId xmlns:a16="http://schemas.microsoft.com/office/drawing/2014/main" id="{8689CB6D-2BA9-4EA2-889C-9727A5CA5412}"/>
-              </a:ext>
-            </a:extLst>
-          </p:cNvPr>
-          <p:cNvSpPr/>
-          <p:nvPr/>
-        </p:nvSpPr>
-        <p:spPr>
-          <a:xfrm>
-            <a:off x="8635880" y="3426992"/>
-            <a:ext cx="1346855" cy="326572"/>
-          </a:xfrm>
-          <a:prstGeom prst="rect">
-            <a:avLst/>
-          </a:prstGeom>
-        </p:spPr>
-        <p:style>
-          <a:lnRef idx="2">
-            <a:schemeClr val="dk1">
-              <a:shade val="50000"/>
-            </a:schemeClr>
-          </a:lnRef>
-          <a:fillRef idx="1">
-            <a:schemeClr val="dk1"/>
-          </a:fillRef>
-          <a:effectRef idx="0">
-            <a:schemeClr val="dk1"/>
-          </a:effectRef>
-          <a:fontRef idx="minor">
-            <a:schemeClr val="lt1"/>
-          </a:fontRef>
-        </p:style>
-        <p:txBody>
-          <a:bodyPr rtlCol="0" anchor="ctr"/>
-          <a:lstStyle/>
-          <a:p>
-            <a:pPr algn="ctr"/>
-            <a:r>
-              <a:rPr lang="it-IT" dirty="0" err="1"/>
-              <a:t>Ingress</a:t>
-            </a:r>
-            <a:r>
-              <a:rPr lang="it-IT" dirty="0"/>
-              <a:t>-controller</a:t>
-            </a:r>
-          </a:p>
-        </p:txBody>
-      </p:sp>
-      <p:sp>
-        <p:nvSpPr>
-          <p:cNvPr id="18" name="Rettangolo 17">
-            <a:extLst>
-              <a:ext uri="{FF2B5EF4-FFF2-40B4-BE49-F238E27FC236}">
-                <a16:creationId xmlns:a16="http://schemas.microsoft.com/office/drawing/2014/main" id="{40DFD271-D62B-49C1-BC68-3FE93BA57361}"/>
-              </a:ext>
-            </a:extLst>
-          </p:cNvPr>
-          <p:cNvSpPr/>
-          <p:nvPr/>
-        </p:nvSpPr>
-        <p:spPr>
-          <a:xfrm>
-            <a:off x="8504807" y="5173614"/>
-            <a:ext cx="1346855" cy="326572"/>
-          </a:xfrm>
-          <a:prstGeom prst="rect">
-            <a:avLst/>
-          </a:prstGeom>
-        </p:spPr>
-        <p:style>
-          <a:lnRef idx="2">
-            <a:schemeClr val="dk1">
-              <a:shade val="50000"/>
-            </a:schemeClr>
-          </a:lnRef>
-          <a:fillRef idx="1">
-            <a:schemeClr val="dk1"/>
-          </a:fillRef>
-          <a:effectRef idx="0">
-            <a:schemeClr val="dk1"/>
-          </a:effectRef>
-          <a:fontRef idx="minor">
-            <a:schemeClr val="lt1"/>
-          </a:fontRef>
-        </p:style>
-        <p:txBody>
-          <a:bodyPr rtlCol="0" anchor="ctr"/>
-          <a:lstStyle/>
-          <a:p>
-            <a:pPr algn="ctr"/>
-            <a:r>
-              <a:rPr lang="it-IT" dirty="0" err="1"/>
-              <a:t>Ingress</a:t>
-            </a:r>
-            <a:r>
-              <a:rPr lang="it-IT" dirty="0"/>
-              <a:t>-controller</a:t>
-            </a:r>
-          </a:p>
-        </p:txBody>
-      </p:sp>
     </p:spTree>
     <p:extLst>
       <p:ext uri="{BB962C8B-B14F-4D97-AF65-F5344CB8AC3E}">
